--- a/presentation/Python-Introduction.pptx
+++ b/presentation/Python-Introduction.pptx
@@ -126,10 +126,6 @@
 </p:presentation>
 </file>
 
-<file path=ppt/revisionInfo.xml><?xml version="1.0" encoding="utf-8"?>
-<p1510:revInfo xmlns:a="http://schemas.openxmlformats.org/drawingml/2006/main" xmlns:r="http://schemas.openxmlformats.org/officeDocument/2006/relationships" xmlns:p1510="http://schemas.microsoft.com/office/powerpoint/2015/10/main"/>
-</file>
-
 <file path=ppt/slideLayouts/slideLayout1.xml><?xml version="1.0" encoding="utf-8"?>
 <p:sldLayout xmlns:a="http://schemas.openxmlformats.org/drawingml/2006/main" xmlns:r="http://schemas.openxmlformats.org/officeDocument/2006/relationships" xmlns:p="http://schemas.openxmlformats.org/presentationml/2006/main" type="title" preserve="1">
   <p:cSld name="Title Slide">
@@ -279,7 +275,7 @@
           <a:p>
             <a:fld id="{B3B48485-EDEB-4E5A-BB3A-BC2391E627B4}" type="datetimeFigureOut">
               <a:rPr lang="en-IN" smtClean="0"/>
-              <a:t>29-01-2018</a:t>
+              <a:t>14-02-2019</a:t>
             </a:fld>
             <a:endParaRPr lang="en-IN"/>
           </a:p>
@@ -479,7 +475,7 @@
           <a:p>
             <a:fld id="{B3B48485-EDEB-4E5A-BB3A-BC2391E627B4}" type="datetimeFigureOut">
               <a:rPr lang="en-IN" smtClean="0"/>
-              <a:t>29-01-2018</a:t>
+              <a:t>14-02-2019</a:t>
             </a:fld>
             <a:endParaRPr lang="en-IN"/>
           </a:p>
@@ -689,7 +685,7 @@
           <a:p>
             <a:fld id="{B3B48485-EDEB-4E5A-BB3A-BC2391E627B4}" type="datetimeFigureOut">
               <a:rPr lang="en-IN" smtClean="0"/>
-              <a:t>29-01-2018</a:t>
+              <a:t>14-02-2019</a:t>
             </a:fld>
             <a:endParaRPr lang="en-IN"/>
           </a:p>
@@ -889,7 +885,7 @@
           <a:p>
             <a:fld id="{B3B48485-EDEB-4E5A-BB3A-BC2391E627B4}" type="datetimeFigureOut">
               <a:rPr lang="en-IN" smtClean="0"/>
-              <a:t>29-01-2018</a:t>
+              <a:t>14-02-2019</a:t>
             </a:fld>
             <a:endParaRPr lang="en-IN"/>
           </a:p>
@@ -1165,7 +1161,7 @@
           <a:p>
             <a:fld id="{B3B48485-EDEB-4E5A-BB3A-BC2391E627B4}" type="datetimeFigureOut">
               <a:rPr lang="en-IN" smtClean="0"/>
-              <a:t>29-01-2018</a:t>
+              <a:t>14-02-2019</a:t>
             </a:fld>
             <a:endParaRPr lang="en-IN"/>
           </a:p>
@@ -1433,7 +1429,7 @@
           <a:p>
             <a:fld id="{B3B48485-EDEB-4E5A-BB3A-BC2391E627B4}" type="datetimeFigureOut">
               <a:rPr lang="en-IN" smtClean="0"/>
-              <a:t>29-01-2018</a:t>
+              <a:t>14-02-2019</a:t>
             </a:fld>
             <a:endParaRPr lang="en-IN"/>
           </a:p>
@@ -1848,7 +1844,7 @@
           <a:p>
             <a:fld id="{B3B48485-EDEB-4E5A-BB3A-BC2391E627B4}" type="datetimeFigureOut">
               <a:rPr lang="en-IN" smtClean="0"/>
-              <a:t>29-01-2018</a:t>
+              <a:t>14-02-2019</a:t>
             </a:fld>
             <a:endParaRPr lang="en-IN"/>
           </a:p>
@@ -1990,7 +1986,7 @@
           <a:p>
             <a:fld id="{B3B48485-EDEB-4E5A-BB3A-BC2391E627B4}" type="datetimeFigureOut">
               <a:rPr lang="en-IN" smtClean="0"/>
-              <a:t>29-01-2018</a:t>
+              <a:t>14-02-2019</a:t>
             </a:fld>
             <a:endParaRPr lang="en-IN"/>
           </a:p>
@@ -2103,7 +2099,7 @@
           <a:p>
             <a:fld id="{B3B48485-EDEB-4E5A-BB3A-BC2391E627B4}" type="datetimeFigureOut">
               <a:rPr lang="en-IN" smtClean="0"/>
-              <a:t>29-01-2018</a:t>
+              <a:t>14-02-2019</a:t>
             </a:fld>
             <a:endParaRPr lang="en-IN"/>
           </a:p>
@@ -2416,7 +2412,7 @@
           <a:p>
             <a:fld id="{B3B48485-EDEB-4E5A-BB3A-BC2391E627B4}" type="datetimeFigureOut">
               <a:rPr lang="en-IN" smtClean="0"/>
-              <a:t>29-01-2018</a:t>
+              <a:t>14-02-2019</a:t>
             </a:fld>
             <a:endParaRPr lang="en-IN"/>
           </a:p>
@@ -2705,7 +2701,7 @@
           <a:p>
             <a:fld id="{B3B48485-EDEB-4E5A-BB3A-BC2391E627B4}" type="datetimeFigureOut">
               <a:rPr lang="en-IN" smtClean="0"/>
-              <a:t>29-01-2018</a:t>
+              <a:t>14-02-2019</a:t>
             </a:fld>
             <a:endParaRPr lang="en-IN"/>
           </a:p>
@@ -2948,7 +2944,7 @@
           <a:p>
             <a:fld id="{B3B48485-EDEB-4E5A-BB3A-BC2391E627B4}" type="datetimeFigureOut">
               <a:rPr lang="en-IN" smtClean="0"/>
-              <a:t>29-01-2018</a:t>
+              <a:t>14-02-2019</a:t>
             </a:fld>
             <a:endParaRPr lang="en-IN"/>
           </a:p>
@@ -3419,44 +3415,23 @@
               <a:t>Raghu Prasad K S</a:t>
             </a:r>
           </a:p>
-        </p:txBody>
-      </p:sp>
-      <p:pic>
-        <p:nvPicPr>
-          <p:cNvPr id="4" name="Picture 3">
-            <a:extLst>
-              <a:ext uri="{FF2B5EF4-FFF2-40B4-BE49-F238E27FC236}">
-                <a16:creationId xmlns:a16="http://schemas.microsoft.com/office/drawing/2014/main" id="{525C28F9-EB76-4835-93F3-8C332712632F}"/>
-              </a:ext>
-            </a:extLst>
-          </p:cNvPr>
-          <p:cNvPicPr>
-            <a:picLocks noChangeAspect="1"/>
-          </p:cNvPicPr>
-          <p:nvPr/>
-        </p:nvPicPr>
-        <p:blipFill>
-          <a:blip r:embed="rId2">
-            <a:extLst>
-              <a:ext uri="{28A0092B-C50C-407E-A947-70E740481C1C}">
-                <a14:useLocalDpi xmlns:a14="http://schemas.microsoft.com/office/drawing/2010/main" val="0"/>
-              </a:ext>
-            </a:extLst>
-          </a:blip>
-          <a:stretch>
-            <a:fillRect/>
-          </a:stretch>
-        </p:blipFill>
-        <p:spPr>
-          <a:xfrm>
-            <a:off x="8821030" y="536019"/>
-            <a:ext cx="2616590" cy="983774"/>
-          </a:xfrm>
-          <a:prstGeom prst="rect">
-            <a:avLst/>
-          </a:prstGeom>
-        </p:spPr>
-      </p:pic>
+          <a:p>
+            <a:r>
+              <a:rPr lang="en-IN" dirty="0">
+                <a:hlinkClick r:id="rId2"/>
+              </a:rPr>
+              <a:t>www.kaushalya.tech</a:t>
+            </a:r>
+            <a:endParaRPr lang="en-IN" dirty="0"/>
+          </a:p>
+          <a:p>
+            <a:r>
+              <a:rPr lang="en-IN" dirty="0"/>
+              <a:t>9845547471</a:t>
+            </a:r>
+          </a:p>
+        </p:txBody>
+      </p:sp>
     </p:spTree>
     <p:extLst>
       <p:ext uri="{BB962C8B-B14F-4D97-AF65-F5344CB8AC3E}">
@@ -3538,42 +3513,6 @@
           <a:xfrm>
             <a:off x="838200" y="365125"/>
             <a:ext cx="10515599" cy="5811838"/>
-          </a:xfrm>
-          <a:prstGeom prst="rect">
-            <a:avLst/>
-          </a:prstGeom>
-        </p:spPr>
-      </p:pic>
-      <p:pic>
-        <p:nvPicPr>
-          <p:cNvPr id="5" name="Picture 4">
-            <a:extLst>
-              <a:ext uri="{FF2B5EF4-FFF2-40B4-BE49-F238E27FC236}">
-                <a16:creationId xmlns:a16="http://schemas.microsoft.com/office/drawing/2014/main" id="{1C2A9C85-917A-43F5-8B98-0AEC756FF8B7}"/>
-              </a:ext>
-            </a:extLst>
-          </p:cNvPr>
-          <p:cNvPicPr>
-            <a:picLocks noChangeAspect="1"/>
-          </p:cNvPicPr>
-          <p:nvPr/>
-        </p:nvPicPr>
-        <p:blipFill>
-          <a:blip r:embed="rId3">
-            <a:extLst>
-              <a:ext uri="{28A0092B-C50C-407E-A947-70E740481C1C}">
-                <a14:useLocalDpi xmlns:a14="http://schemas.microsoft.com/office/drawing/2010/main" val="0"/>
-              </a:ext>
-            </a:extLst>
-          </a:blip>
-          <a:stretch>
-            <a:fillRect/>
-          </a:stretch>
-        </p:blipFill>
-        <p:spPr>
-          <a:xfrm>
-            <a:off x="8821030" y="536019"/>
-            <a:ext cx="2616590" cy="983774"/>
           </a:xfrm>
           <a:prstGeom prst="rect">
             <a:avLst/>
@@ -3667,42 +3606,6 @@
           </a:prstGeom>
         </p:spPr>
       </p:pic>
-      <p:pic>
-        <p:nvPicPr>
-          <p:cNvPr id="5" name="Picture 4">
-            <a:extLst>
-              <a:ext uri="{FF2B5EF4-FFF2-40B4-BE49-F238E27FC236}">
-                <a16:creationId xmlns:a16="http://schemas.microsoft.com/office/drawing/2014/main" id="{F5D2F039-BB1E-4C55-B97F-D3445E0D2FAD}"/>
-              </a:ext>
-            </a:extLst>
-          </p:cNvPr>
-          <p:cNvPicPr>
-            <a:picLocks noChangeAspect="1"/>
-          </p:cNvPicPr>
-          <p:nvPr/>
-        </p:nvPicPr>
-        <p:blipFill>
-          <a:blip r:embed="rId3">
-            <a:extLst>
-              <a:ext uri="{28A0092B-C50C-407E-A947-70E740481C1C}">
-                <a14:useLocalDpi xmlns:a14="http://schemas.microsoft.com/office/drawing/2010/main" val="0"/>
-              </a:ext>
-            </a:extLst>
-          </a:blip>
-          <a:stretch>
-            <a:fillRect/>
-          </a:stretch>
-        </p:blipFill>
-        <p:spPr>
-          <a:xfrm>
-            <a:off x="8821030" y="536019"/>
-            <a:ext cx="2616590" cy="983774"/>
-          </a:xfrm>
-          <a:prstGeom prst="rect">
-            <a:avLst/>
-          </a:prstGeom>
-        </p:spPr>
-      </p:pic>
     </p:spTree>
     <p:extLst>
       <p:ext uri="{BB962C8B-B14F-4D97-AF65-F5344CB8AC3E}">
@@ -3784,42 +3687,6 @@
           <a:xfrm>
             <a:off x="838200" y="365125"/>
             <a:ext cx="10515599" cy="5811838"/>
-          </a:xfrm>
-          <a:prstGeom prst="rect">
-            <a:avLst/>
-          </a:prstGeom>
-        </p:spPr>
-      </p:pic>
-      <p:pic>
-        <p:nvPicPr>
-          <p:cNvPr id="5" name="Picture 4">
-            <a:extLst>
-              <a:ext uri="{FF2B5EF4-FFF2-40B4-BE49-F238E27FC236}">
-                <a16:creationId xmlns:a16="http://schemas.microsoft.com/office/drawing/2014/main" id="{6673213E-5B6D-4C65-9B43-E372F91DD17F}"/>
-              </a:ext>
-            </a:extLst>
-          </p:cNvPr>
-          <p:cNvPicPr>
-            <a:picLocks noChangeAspect="1"/>
-          </p:cNvPicPr>
-          <p:nvPr/>
-        </p:nvPicPr>
-        <p:blipFill>
-          <a:blip r:embed="rId3">
-            <a:extLst>
-              <a:ext uri="{28A0092B-C50C-407E-A947-70E740481C1C}">
-                <a14:useLocalDpi xmlns:a14="http://schemas.microsoft.com/office/drawing/2010/main" val="0"/>
-              </a:ext>
-            </a:extLst>
-          </a:blip>
-          <a:stretch>
-            <a:fillRect/>
-          </a:stretch>
-        </p:blipFill>
-        <p:spPr>
-          <a:xfrm>
-            <a:off x="8821030" y="536019"/>
-            <a:ext cx="2616590" cy="983774"/>
           </a:xfrm>
           <a:prstGeom prst="rect">
             <a:avLst/>
@@ -3913,42 +3780,6 @@
           </a:prstGeom>
         </p:spPr>
       </p:pic>
-      <p:pic>
-        <p:nvPicPr>
-          <p:cNvPr id="5" name="Picture 4">
-            <a:extLst>
-              <a:ext uri="{FF2B5EF4-FFF2-40B4-BE49-F238E27FC236}">
-                <a16:creationId xmlns:a16="http://schemas.microsoft.com/office/drawing/2014/main" id="{218BF735-4F62-4268-B8D7-E9BBEB79C678}"/>
-              </a:ext>
-            </a:extLst>
-          </p:cNvPr>
-          <p:cNvPicPr>
-            <a:picLocks noChangeAspect="1"/>
-          </p:cNvPicPr>
-          <p:nvPr/>
-        </p:nvPicPr>
-        <p:blipFill>
-          <a:blip r:embed="rId3">
-            <a:extLst>
-              <a:ext uri="{28A0092B-C50C-407E-A947-70E740481C1C}">
-                <a14:useLocalDpi xmlns:a14="http://schemas.microsoft.com/office/drawing/2010/main" val="0"/>
-              </a:ext>
-            </a:extLst>
-          </a:blip>
-          <a:stretch>
-            <a:fillRect/>
-          </a:stretch>
-        </p:blipFill>
-        <p:spPr>
-          <a:xfrm>
-            <a:off x="8821030" y="536019"/>
-            <a:ext cx="2616590" cy="983774"/>
-          </a:xfrm>
-          <a:prstGeom prst="rect">
-            <a:avLst/>
-          </a:prstGeom>
-        </p:spPr>
-      </p:pic>
     </p:spTree>
     <p:extLst>
       <p:ext uri="{BB962C8B-B14F-4D97-AF65-F5344CB8AC3E}">
@@ -4030,42 +3861,6 @@
           <a:xfrm>
             <a:off x="838200" y="336990"/>
             <a:ext cx="10515599" cy="5811838"/>
-          </a:xfrm>
-          <a:prstGeom prst="rect">
-            <a:avLst/>
-          </a:prstGeom>
-        </p:spPr>
-      </p:pic>
-      <p:pic>
-        <p:nvPicPr>
-          <p:cNvPr id="5" name="Picture 4">
-            <a:extLst>
-              <a:ext uri="{FF2B5EF4-FFF2-40B4-BE49-F238E27FC236}">
-                <a16:creationId xmlns:a16="http://schemas.microsoft.com/office/drawing/2014/main" id="{CB543529-8F71-4942-AC4D-ECD09984BF20}"/>
-              </a:ext>
-            </a:extLst>
-          </p:cNvPr>
-          <p:cNvPicPr>
-            <a:picLocks noChangeAspect="1"/>
-          </p:cNvPicPr>
-          <p:nvPr/>
-        </p:nvPicPr>
-        <p:blipFill>
-          <a:blip r:embed="rId3">
-            <a:extLst>
-              <a:ext uri="{28A0092B-C50C-407E-A947-70E740481C1C}">
-                <a14:useLocalDpi xmlns:a14="http://schemas.microsoft.com/office/drawing/2010/main" val="0"/>
-              </a:ext>
-            </a:extLst>
-          </a:blip>
-          <a:stretch>
-            <a:fillRect/>
-          </a:stretch>
-        </p:blipFill>
-        <p:spPr>
-          <a:xfrm>
-            <a:off x="8821030" y="507883"/>
-            <a:ext cx="2616590" cy="983774"/>
           </a:xfrm>
           <a:prstGeom prst="rect">
             <a:avLst/>
@@ -4168,42 +3963,6 @@
           </a:p>
         </p:txBody>
       </p:sp>
-      <p:pic>
-        <p:nvPicPr>
-          <p:cNvPr id="4" name="Picture 3">
-            <a:extLst>
-              <a:ext uri="{FF2B5EF4-FFF2-40B4-BE49-F238E27FC236}">
-                <a16:creationId xmlns:a16="http://schemas.microsoft.com/office/drawing/2014/main" id="{810DE3DB-89E6-4609-A81A-FE5B936F4EFF}"/>
-              </a:ext>
-            </a:extLst>
-          </p:cNvPr>
-          <p:cNvPicPr>
-            <a:picLocks noChangeAspect="1"/>
-          </p:cNvPicPr>
-          <p:nvPr/>
-        </p:nvPicPr>
-        <p:blipFill>
-          <a:blip r:embed="rId2">
-            <a:extLst>
-              <a:ext uri="{28A0092B-C50C-407E-A947-70E740481C1C}">
-                <a14:useLocalDpi xmlns:a14="http://schemas.microsoft.com/office/drawing/2010/main" val="0"/>
-              </a:ext>
-            </a:extLst>
-          </a:blip>
-          <a:stretch>
-            <a:fillRect/>
-          </a:stretch>
-        </p:blipFill>
-        <p:spPr>
-          <a:xfrm>
-            <a:off x="8821030" y="507883"/>
-            <a:ext cx="2616590" cy="983774"/>
-          </a:xfrm>
-          <a:prstGeom prst="rect">
-            <a:avLst/>
-          </a:prstGeom>
-        </p:spPr>
-      </p:pic>
     </p:spTree>
     <p:extLst>
       <p:ext uri="{BB962C8B-B14F-4D97-AF65-F5344CB8AC3E}">
@@ -4377,42 +4136,6 @@
           </a:p>
         </p:txBody>
       </p:sp>
-      <p:pic>
-        <p:nvPicPr>
-          <p:cNvPr id="4" name="Picture 3">
-            <a:extLst>
-              <a:ext uri="{FF2B5EF4-FFF2-40B4-BE49-F238E27FC236}">
-                <a16:creationId xmlns:a16="http://schemas.microsoft.com/office/drawing/2014/main" id="{E9A4A796-B730-44CE-8138-8D2D28C63A4B}"/>
-              </a:ext>
-            </a:extLst>
-          </p:cNvPr>
-          <p:cNvPicPr>
-            <a:picLocks noChangeAspect="1"/>
-          </p:cNvPicPr>
-          <p:nvPr/>
-        </p:nvPicPr>
-        <p:blipFill>
-          <a:blip r:embed="rId2">
-            <a:extLst>
-              <a:ext uri="{28A0092B-C50C-407E-A947-70E740481C1C}">
-                <a14:useLocalDpi xmlns:a14="http://schemas.microsoft.com/office/drawing/2010/main" val="0"/>
-              </a:ext>
-            </a:extLst>
-          </a:blip>
-          <a:stretch>
-            <a:fillRect/>
-          </a:stretch>
-        </p:blipFill>
-        <p:spPr>
-          <a:xfrm>
-            <a:off x="8821030" y="536019"/>
-            <a:ext cx="2616590" cy="983774"/>
-          </a:xfrm>
-          <a:prstGeom prst="rect">
-            <a:avLst/>
-          </a:prstGeom>
-        </p:spPr>
-      </p:pic>
     </p:spTree>
     <p:extLst>
       <p:ext uri="{BB962C8B-B14F-4D97-AF65-F5344CB8AC3E}">
@@ -4557,42 +4280,6 @@
           </a:p>
         </p:txBody>
       </p:sp>
-      <p:pic>
-        <p:nvPicPr>
-          <p:cNvPr id="4" name="Picture 3">
-            <a:extLst>
-              <a:ext uri="{FF2B5EF4-FFF2-40B4-BE49-F238E27FC236}">
-                <a16:creationId xmlns:a16="http://schemas.microsoft.com/office/drawing/2014/main" id="{08537DD1-C098-47B0-8E37-086C1118CE1B}"/>
-              </a:ext>
-            </a:extLst>
-          </p:cNvPr>
-          <p:cNvPicPr>
-            <a:picLocks noChangeAspect="1"/>
-          </p:cNvPicPr>
-          <p:nvPr/>
-        </p:nvPicPr>
-        <p:blipFill>
-          <a:blip r:embed="rId2">
-            <a:extLst>
-              <a:ext uri="{28A0092B-C50C-407E-A947-70E740481C1C}">
-                <a14:useLocalDpi xmlns:a14="http://schemas.microsoft.com/office/drawing/2010/main" val="0"/>
-              </a:ext>
-            </a:extLst>
-          </a:blip>
-          <a:stretch>
-            <a:fillRect/>
-          </a:stretch>
-        </p:blipFill>
-        <p:spPr>
-          <a:xfrm>
-            <a:off x="8821030" y="536019"/>
-            <a:ext cx="2616590" cy="983774"/>
-          </a:xfrm>
-          <a:prstGeom prst="rect">
-            <a:avLst/>
-          </a:prstGeom>
-        </p:spPr>
-      </p:pic>
     </p:spTree>
     <p:extLst>
       <p:ext uri="{BB962C8B-B14F-4D97-AF65-F5344CB8AC3E}">
@@ -4712,42 +4399,6 @@
           </a:p>
         </p:txBody>
       </p:sp>
-      <p:pic>
-        <p:nvPicPr>
-          <p:cNvPr id="4" name="Picture 3">
-            <a:extLst>
-              <a:ext uri="{FF2B5EF4-FFF2-40B4-BE49-F238E27FC236}">
-                <a16:creationId xmlns:a16="http://schemas.microsoft.com/office/drawing/2014/main" id="{80DC21BB-1EA8-4289-8121-043674C19155}"/>
-              </a:ext>
-            </a:extLst>
-          </p:cNvPr>
-          <p:cNvPicPr>
-            <a:picLocks noChangeAspect="1"/>
-          </p:cNvPicPr>
-          <p:nvPr/>
-        </p:nvPicPr>
-        <p:blipFill>
-          <a:blip r:embed="rId2">
-            <a:extLst>
-              <a:ext uri="{28A0092B-C50C-407E-A947-70E740481C1C}">
-                <a14:useLocalDpi xmlns:a14="http://schemas.microsoft.com/office/drawing/2010/main" val="0"/>
-              </a:ext>
-            </a:extLst>
-          </a:blip>
-          <a:stretch>
-            <a:fillRect/>
-          </a:stretch>
-        </p:blipFill>
-        <p:spPr>
-          <a:xfrm>
-            <a:off x="8821030" y="536019"/>
-            <a:ext cx="2616590" cy="983774"/>
-          </a:xfrm>
-          <a:prstGeom prst="rect">
-            <a:avLst/>
-          </a:prstGeom>
-        </p:spPr>
-      </p:pic>
     </p:spTree>
     <p:extLst>
       <p:ext uri="{BB962C8B-B14F-4D97-AF65-F5344CB8AC3E}">
@@ -4829,42 +4480,6 @@
           <a:xfrm>
             <a:off x="838200" y="365125"/>
             <a:ext cx="10683239" cy="6563213"/>
-          </a:xfrm>
-          <a:prstGeom prst="rect">
-            <a:avLst/>
-          </a:prstGeom>
-        </p:spPr>
-      </p:pic>
-      <p:pic>
-        <p:nvPicPr>
-          <p:cNvPr id="6" name="Picture 5">
-            <a:extLst>
-              <a:ext uri="{FF2B5EF4-FFF2-40B4-BE49-F238E27FC236}">
-                <a16:creationId xmlns:a16="http://schemas.microsoft.com/office/drawing/2014/main" id="{68E12ABF-7B0C-4A91-B2A8-38E3D19FADB2}"/>
-              </a:ext>
-            </a:extLst>
-          </p:cNvPr>
-          <p:cNvPicPr>
-            <a:picLocks noChangeAspect="1"/>
-          </p:cNvPicPr>
-          <p:nvPr/>
-        </p:nvPicPr>
-        <p:blipFill>
-          <a:blip r:embed="rId3">
-            <a:extLst>
-              <a:ext uri="{28A0092B-C50C-407E-A947-70E740481C1C}">
-                <a14:useLocalDpi xmlns:a14="http://schemas.microsoft.com/office/drawing/2010/main" val="0"/>
-              </a:ext>
-            </a:extLst>
-          </a:blip>
-          <a:stretch>
-            <a:fillRect/>
-          </a:stretch>
-        </p:blipFill>
-        <p:spPr>
-          <a:xfrm>
-            <a:off x="9102390" y="465680"/>
-            <a:ext cx="2616590" cy="983774"/>
           </a:xfrm>
           <a:prstGeom prst="rect">
             <a:avLst/>
@@ -4958,42 +4573,6 @@
           </a:prstGeom>
         </p:spPr>
       </p:pic>
-      <p:pic>
-        <p:nvPicPr>
-          <p:cNvPr id="5" name="Picture 4">
-            <a:extLst>
-              <a:ext uri="{FF2B5EF4-FFF2-40B4-BE49-F238E27FC236}">
-                <a16:creationId xmlns:a16="http://schemas.microsoft.com/office/drawing/2014/main" id="{3F5ABDD3-2B4A-4195-A0B7-F35052069D6B}"/>
-              </a:ext>
-            </a:extLst>
-          </p:cNvPr>
-          <p:cNvPicPr>
-            <a:picLocks noChangeAspect="1"/>
-          </p:cNvPicPr>
-          <p:nvPr/>
-        </p:nvPicPr>
-        <p:blipFill>
-          <a:blip r:embed="rId3">
-            <a:extLst>
-              <a:ext uri="{28A0092B-C50C-407E-A947-70E740481C1C}">
-                <a14:useLocalDpi xmlns:a14="http://schemas.microsoft.com/office/drawing/2010/main" val="0"/>
-              </a:ext>
-            </a:extLst>
-          </a:blip>
-          <a:stretch>
-            <a:fillRect/>
-          </a:stretch>
-        </p:blipFill>
-        <p:spPr>
-          <a:xfrm>
-            <a:off x="8821030" y="536019"/>
-            <a:ext cx="2616590" cy="983774"/>
-          </a:xfrm>
-          <a:prstGeom prst="rect">
-            <a:avLst/>
-          </a:prstGeom>
-        </p:spPr>
-      </p:pic>
     </p:spTree>
     <p:extLst>
       <p:ext uri="{BB962C8B-B14F-4D97-AF65-F5344CB8AC3E}">
@@ -5075,42 +4654,6 @@
           <a:xfrm>
             <a:off x="838200" y="365125"/>
             <a:ext cx="10515599" cy="6007540"/>
-          </a:xfrm>
-          <a:prstGeom prst="rect">
-            <a:avLst/>
-          </a:prstGeom>
-        </p:spPr>
-      </p:pic>
-      <p:pic>
-        <p:nvPicPr>
-          <p:cNvPr id="5" name="Picture 4">
-            <a:extLst>
-              <a:ext uri="{FF2B5EF4-FFF2-40B4-BE49-F238E27FC236}">
-                <a16:creationId xmlns:a16="http://schemas.microsoft.com/office/drawing/2014/main" id="{C2B35AC7-FB9F-4546-B950-92C6BE90FEE5}"/>
-              </a:ext>
-            </a:extLst>
-          </p:cNvPr>
-          <p:cNvPicPr>
-            <a:picLocks noChangeAspect="1"/>
-          </p:cNvPicPr>
-          <p:nvPr/>
-        </p:nvPicPr>
-        <p:blipFill>
-          <a:blip r:embed="rId3">
-            <a:extLst>
-              <a:ext uri="{28A0092B-C50C-407E-A947-70E740481C1C}">
-                <a14:useLocalDpi xmlns:a14="http://schemas.microsoft.com/office/drawing/2010/main" val="0"/>
-              </a:ext>
-            </a:extLst>
-          </a:blip>
-          <a:stretch>
-            <a:fillRect/>
-          </a:stretch>
-        </p:blipFill>
-        <p:spPr>
-          <a:xfrm>
-            <a:off x="8821030" y="536019"/>
-            <a:ext cx="2616590" cy="983774"/>
           </a:xfrm>
           <a:prstGeom prst="rect">
             <a:avLst/>
@@ -5204,42 +4747,6 @@
           </a:prstGeom>
         </p:spPr>
       </p:pic>
-      <p:pic>
-        <p:nvPicPr>
-          <p:cNvPr id="5" name="Picture 4">
-            <a:extLst>
-              <a:ext uri="{FF2B5EF4-FFF2-40B4-BE49-F238E27FC236}">
-                <a16:creationId xmlns:a16="http://schemas.microsoft.com/office/drawing/2014/main" id="{2B3ED871-78B5-41A0-BF6A-C2B19B90555A}"/>
-              </a:ext>
-            </a:extLst>
-          </p:cNvPr>
-          <p:cNvPicPr>
-            <a:picLocks noChangeAspect="1"/>
-          </p:cNvPicPr>
-          <p:nvPr/>
-        </p:nvPicPr>
-        <p:blipFill>
-          <a:blip r:embed="rId3">
-            <a:extLst>
-              <a:ext uri="{28A0092B-C50C-407E-A947-70E740481C1C}">
-                <a14:useLocalDpi xmlns:a14="http://schemas.microsoft.com/office/drawing/2010/main" val="0"/>
-              </a:ext>
-            </a:extLst>
-          </a:blip>
-          <a:stretch>
-            <a:fillRect/>
-          </a:stretch>
-        </p:blipFill>
-        <p:spPr>
-          <a:xfrm>
-            <a:off x="8821030" y="536019"/>
-            <a:ext cx="2616590" cy="983774"/>
-          </a:xfrm>
-          <a:prstGeom prst="rect">
-            <a:avLst/>
-          </a:prstGeom>
-        </p:spPr>
-      </p:pic>
     </p:spTree>
     <p:extLst>
       <p:ext uri="{BB962C8B-B14F-4D97-AF65-F5344CB8AC3E}">
@@ -5321,42 +4828,6 @@
           <a:xfrm>
             <a:off x="838200" y="365125"/>
             <a:ext cx="10515599" cy="6127750"/>
-          </a:xfrm>
-          <a:prstGeom prst="rect">
-            <a:avLst/>
-          </a:prstGeom>
-        </p:spPr>
-      </p:pic>
-      <p:pic>
-        <p:nvPicPr>
-          <p:cNvPr id="5" name="Picture 4">
-            <a:extLst>
-              <a:ext uri="{FF2B5EF4-FFF2-40B4-BE49-F238E27FC236}">
-                <a16:creationId xmlns:a16="http://schemas.microsoft.com/office/drawing/2014/main" id="{C2227AFF-576F-40D9-8A7E-7C57CB239036}"/>
-              </a:ext>
-            </a:extLst>
-          </p:cNvPr>
-          <p:cNvPicPr>
-            <a:picLocks noChangeAspect="1"/>
-          </p:cNvPicPr>
-          <p:nvPr/>
-        </p:nvPicPr>
-        <p:blipFill>
-          <a:blip r:embed="rId3">
-            <a:extLst>
-              <a:ext uri="{28A0092B-C50C-407E-A947-70E740481C1C}">
-                <a14:useLocalDpi xmlns:a14="http://schemas.microsoft.com/office/drawing/2010/main" val="0"/>
-              </a:ext>
-            </a:extLst>
-          </a:blip>
-          <a:stretch>
-            <a:fillRect/>
-          </a:stretch>
-        </p:blipFill>
-        <p:spPr>
-          <a:xfrm>
-            <a:off x="8821030" y="536019"/>
-            <a:ext cx="2616590" cy="983774"/>
           </a:xfrm>
           <a:prstGeom prst="rect">
             <a:avLst/>
